--- a/TASK.pptx
+++ b/TASK.pptx
@@ -5,23 +5,24 @@
     <p:sldMasterId id="2147483660" r:id="rId1"/>
   </p:sldMasterIdLst>
   <p:notesMasterIdLst>
-    <p:notesMasterId r:id="rId16"/>
+    <p:notesMasterId r:id="rId17"/>
   </p:notesMasterIdLst>
   <p:sldIdLst>
     <p:sldId id="256" r:id="rId2"/>
     <p:sldId id="262" r:id="rId3"/>
-    <p:sldId id="263" r:id="rId4"/>
-    <p:sldId id="267" r:id="rId5"/>
-    <p:sldId id="269" r:id="rId6"/>
-    <p:sldId id="270" r:id="rId7"/>
-    <p:sldId id="258" r:id="rId8"/>
-    <p:sldId id="259" r:id="rId9"/>
-    <p:sldId id="260" r:id="rId10"/>
-    <p:sldId id="264" r:id="rId11"/>
-    <p:sldId id="265" r:id="rId12"/>
-    <p:sldId id="266" r:id="rId13"/>
-    <p:sldId id="257" r:id="rId14"/>
-    <p:sldId id="261" r:id="rId15"/>
+    <p:sldId id="271" r:id="rId4"/>
+    <p:sldId id="263" r:id="rId5"/>
+    <p:sldId id="267" r:id="rId6"/>
+    <p:sldId id="269" r:id="rId7"/>
+    <p:sldId id="259" r:id="rId8"/>
+    <p:sldId id="270" r:id="rId9"/>
+    <p:sldId id="258" r:id="rId10"/>
+    <p:sldId id="260" r:id="rId11"/>
+    <p:sldId id="264" r:id="rId12"/>
+    <p:sldId id="265" r:id="rId13"/>
+    <p:sldId id="266" r:id="rId14"/>
+    <p:sldId id="257" r:id="rId15"/>
+    <p:sldId id="261" r:id="rId16"/>
   </p:sldIdLst>
   <p:sldSz cx="12192000" cy="6858000"/>
   <p:notesSz cx="6858000" cy="9144000"/>
@@ -127,12 +128,13 @@
           <p14:sldIdLst>
             <p14:sldId id="256"/>
             <p14:sldId id="262"/>
+            <p14:sldId id="271"/>
             <p14:sldId id="263"/>
             <p14:sldId id="267"/>
             <p14:sldId id="269"/>
+            <p14:sldId id="259"/>
             <p14:sldId id="270"/>
             <p14:sldId id="258"/>
-            <p14:sldId id="259"/>
             <p14:sldId id="260"/>
             <p14:sldId id="264"/>
             <p14:sldId id="265"/>
@@ -232,7 +234,7 @@
           <a:p>
             <a:fld id="{71CFBE77-2E7D-4C3E-9E7A-4A9293F0D39C}" type="datetimeFigureOut">
               <a:rPr lang="en-US" smtClean="0"/>
-              <a:t>6/14/2016</a:t>
+              <a:t>6/15/2016</a:t>
             </a:fld>
             <a:endParaRPr lang="en-US"/>
           </a:p>
@@ -565,7 +567,7 @@
           <a:p>
             <a:fld id="{B556287F-468E-45CE-BF8B-2A87221783B9}" type="slidenum">
               <a:rPr lang="en-US" smtClean="0"/>
-              <a:t>6</a:t>
+              <a:t>8</a:t>
             </a:fld>
             <a:endParaRPr lang="en-US"/>
           </a:p>
@@ -1306,7 +1308,7 @@
           <a:p>
             <a:fld id="{18BAD1EB-C21F-4DEF-9E24-AE9F2424B1D6}" type="datetimeFigureOut">
               <a:rPr lang="en-US" smtClean="0"/>
-              <a:t>6/14/2016</a:t>
+              <a:t>6/15/2016</a:t>
             </a:fld>
             <a:endParaRPr lang="en-US"/>
           </a:p>
@@ -1557,7 +1559,7 @@
           <a:p>
             <a:fld id="{18BAD1EB-C21F-4DEF-9E24-AE9F2424B1D6}" type="datetimeFigureOut">
               <a:rPr lang="en-US" smtClean="0"/>
-              <a:t>6/14/2016</a:t>
+              <a:t>6/15/2016</a:t>
             </a:fld>
             <a:endParaRPr lang="en-US"/>
           </a:p>
@@ -1871,7 +1873,7 @@
           <a:p>
             <a:fld id="{18BAD1EB-C21F-4DEF-9E24-AE9F2424B1D6}" type="datetimeFigureOut">
               <a:rPr lang="en-US" smtClean="0"/>
-              <a:t>6/14/2016</a:t>
+              <a:t>6/15/2016</a:t>
             </a:fld>
             <a:endParaRPr lang="en-US"/>
           </a:p>
@@ -2212,7 +2214,7 @@
           <a:p>
             <a:fld id="{18BAD1EB-C21F-4DEF-9E24-AE9F2424B1D6}" type="datetimeFigureOut">
               <a:rPr lang="en-US" smtClean="0"/>
-              <a:t>6/14/2016</a:t>
+              <a:t>6/15/2016</a:t>
             </a:fld>
             <a:endParaRPr lang="en-US"/>
           </a:p>
@@ -2526,7 +2528,7 @@
           <a:p>
             <a:fld id="{18BAD1EB-C21F-4DEF-9E24-AE9F2424B1D6}" type="datetimeFigureOut">
               <a:rPr lang="en-US" smtClean="0"/>
-              <a:t>6/14/2016</a:t>
+              <a:t>6/15/2016</a:t>
             </a:fld>
             <a:endParaRPr lang="en-US"/>
           </a:p>
@@ -2919,7 +2921,7 @@
           <a:p>
             <a:fld id="{18BAD1EB-C21F-4DEF-9E24-AE9F2424B1D6}" type="datetimeFigureOut">
               <a:rPr lang="en-US" smtClean="0"/>
-              <a:t>6/14/2016</a:t>
+              <a:t>6/15/2016</a:t>
             </a:fld>
             <a:endParaRPr lang="en-US"/>
           </a:p>
@@ -3089,7 +3091,7 @@
           <a:p>
             <a:fld id="{18BAD1EB-C21F-4DEF-9E24-AE9F2424B1D6}" type="datetimeFigureOut">
               <a:rPr lang="en-US" smtClean="0"/>
-              <a:t>6/14/2016</a:t>
+              <a:t>6/15/2016</a:t>
             </a:fld>
             <a:endParaRPr lang="en-US"/>
           </a:p>
@@ -3269,7 +3271,7 @@
           <a:p>
             <a:fld id="{18BAD1EB-C21F-4DEF-9E24-AE9F2424B1D6}" type="datetimeFigureOut">
               <a:rPr lang="en-US" smtClean="0"/>
-              <a:t>6/14/2016</a:t>
+              <a:t>6/15/2016</a:t>
             </a:fld>
             <a:endParaRPr lang="en-US"/>
           </a:p>
@@ -3445,7 +3447,7 @@
           <a:p>
             <a:fld id="{18BAD1EB-C21F-4DEF-9E24-AE9F2424B1D6}" type="datetimeFigureOut">
               <a:rPr lang="en-US" smtClean="0"/>
-              <a:t>6/14/2016</a:t>
+              <a:t>6/15/2016</a:t>
             </a:fld>
             <a:endParaRPr lang="en-US"/>
           </a:p>
@@ -3692,7 +3694,7 @@
           <a:p>
             <a:fld id="{18BAD1EB-C21F-4DEF-9E24-AE9F2424B1D6}" type="datetimeFigureOut">
               <a:rPr lang="en-US" smtClean="0"/>
-              <a:t>6/14/2016</a:t>
+              <a:t>6/15/2016</a:t>
             </a:fld>
             <a:endParaRPr lang="en-US"/>
           </a:p>
@@ -3924,7 +3926,7 @@
           <a:p>
             <a:fld id="{18BAD1EB-C21F-4DEF-9E24-AE9F2424B1D6}" type="datetimeFigureOut">
               <a:rPr lang="en-US" smtClean="0"/>
-              <a:t>6/14/2016</a:t>
+              <a:t>6/15/2016</a:t>
             </a:fld>
             <a:endParaRPr lang="en-US"/>
           </a:p>
@@ -4298,7 +4300,7 @@
           <a:p>
             <a:fld id="{18BAD1EB-C21F-4DEF-9E24-AE9F2424B1D6}" type="datetimeFigureOut">
               <a:rPr lang="en-US" smtClean="0"/>
-              <a:t>6/14/2016</a:t>
+              <a:t>6/15/2016</a:t>
             </a:fld>
             <a:endParaRPr lang="en-US"/>
           </a:p>
@@ -4421,7 +4423,7 @@
           <a:p>
             <a:fld id="{18BAD1EB-C21F-4DEF-9E24-AE9F2424B1D6}" type="datetimeFigureOut">
               <a:rPr lang="en-US" smtClean="0"/>
-              <a:t>6/14/2016</a:t>
+              <a:t>6/15/2016</a:t>
             </a:fld>
             <a:endParaRPr lang="en-US"/>
           </a:p>
@@ -4516,7 +4518,7 @@
           <a:p>
             <a:fld id="{18BAD1EB-C21F-4DEF-9E24-AE9F2424B1D6}" type="datetimeFigureOut">
               <a:rPr lang="en-US" smtClean="0"/>
-              <a:t>6/14/2016</a:t>
+              <a:t>6/15/2016</a:t>
             </a:fld>
             <a:endParaRPr lang="en-US"/>
           </a:p>
@@ -4771,7 +4773,7 @@
           <a:p>
             <a:fld id="{18BAD1EB-C21F-4DEF-9E24-AE9F2424B1D6}" type="datetimeFigureOut">
               <a:rPr lang="en-US" smtClean="0"/>
-              <a:t>6/14/2016</a:t>
+              <a:t>6/15/2016</a:t>
             </a:fld>
             <a:endParaRPr lang="en-US"/>
           </a:p>
@@ -5034,7 +5036,7 @@
           <a:p>
             <a:fld id="{18BAD1EB-C21F-4DEF-9E24-AE9F2424B1D6}" type="datetimeFigureOut">
               <a:rPr lang="en-US" smtClean="0"/>
-              <a:t>6/14/2016</a:t>
+              <a:t>6/15/2016</a:t>
             </a:fld>
             <a:endParaRPr lang="en-US"/>
           </a:p>
@@ -5777,7 +5779,7 @@
           <a:p>
             <a:fld id="{18BAD1EB-C21F-4DEF-9E24-AE9F2424B1D6}" type="datetimeFigureOut">
               <a:rPr lang="en-US" smtClean="0"/>
-              <a:t>6/14/2016</a:t>
+              <a:t>6/15/2016</a:t>
             </a:fld>
             <a:endParaRPr lang="en-US"/>
           </a:p>
@@ -6394,11 +6396,146 @@
           <a:p>
             <a:r>
               <a:rPr lang="en-US" dirty="0" smtClean="0"/>
-              <a:t>PLINQ -</a:t>
-            </a:r>
+              <a:t>Parallel class</a:t>
+            </a:r>
+            <a:endParaRPr lang="en-US" dirty="0"/>
+          </a:p>
+        </p:txBody>
+      </p:sp>
+      <p:sp>
+        <p:nvSpPr>
+          <p:cNvPr id="3" name="Content Placeholder 2"/>
+          <p:cNvSpPr>
+            <a:spLocks noGrp="1"/>
+          </p:cNvSpPr>
+          <p:nvPr>
+            <p:ph idx="1"/>
+          </p:nvPr>
+        </p:nvSpPr>
+        <p:spPr/>
+        <p:txBody>
+          <a:bodyPr/>
+          <a:lstStyle/>
+          <a:p>
+            <a:r>
+              <a:rPr lang="en-US" dirty="0" err="1" smtClean="0"/>
+              <a:t>Parallel.For</a:t>
+            </a:r>
+            <a:endParaRPr lang="en-US" dirty="0" smtClean="0"/>
+          </a:p>
+          <a:p>
+            <a:r>
+              <a:rPr lang="en-US" dirty="0" err="1" smtClean="0"/>
+              <a:t>Parallel.ForEach</a:t>
+            </a:r>
+            <a:endParaRPr lang="en-US" dirty="0" smtClean="0"/>
+          </a:p>
+          <a:p>
+            <a:r>
+              <a:rPr lang="en-US" dirty="0" err="1" smtClean="0"/>
+              <a:t>Parallel.Invoke</a:t>
+            </a:r>
+            <a:endParaRPr lang="en-US" dirty="0" smtClean="0"/>
+          </a:p>
+          <a:p>
+            <a:endParaRPr lang="en-US" dirty="0"/>
+          </a:p>
+          <a:p>
+            <a:pPr>
+              <a:buAutoNum type="arabicPeriod"/>
+            </a:pPr>
             <a:r>
               <a:rPr lang="en-US" dirty="0" smtClean="0"/>
-              <a:t>1-LINQ</a:t>
+              <a:t>All three methods block until all work is complete</a:t>
+            </a:r>
+          </a:p>
+          <a:p>
+            <a:pPr>
+              <a:buAutoNum type="arabicPeriod"/>
+            </a:pPr>
+            <a:r>
+              <a:rPr lang="en-US" dirty="0" smtClean="0"/>
+              <a:t>Because the loop body in a parallel For or </a:t>
+            </a:r>
+            <a:r>
+              <a:rPr lang="en-US" dirty="0" err="1" smtClean="0"/>
+              <a:t>ForEach</a:t>
+            </a:r>
+            <a:r>
+              <a:rPr lang="en-US" dirty="0" smtClean="0"/>
+              <a:t> is a delegate, you can’t exit the loop early with a break statement. Instead you must call Break or Stop on a </a:t>
+            </a:r>
+            <a:r>
+              <a:rPr lang="en-US" dirty="0" err="1" smtClean="0"/>
+              <a:t>ParallelLoopState</a:t>
+            </a:r>
+            <a:r>
+              <a:rPr lang="en-US" dirty="0" smtClean="0"/>
+              <a:t> object.</a:t>
+            </a:r>
+          </a:p>
+          <a:p>
+            <a:pPr>
+              <a:buAutoNum type="arabicPeriod"/>
+            </a:pPr>
+            <a:endParaRPr lang="en-US" dirty="0" smtClean="0"/>
+          </a:p>
+          <a:p>
+            <a:pPr marL="0" indent="0">
+              <a:buNone/>
+            </a:pPr>
+            <a:endParaRPr lang="en-US" dirty="0"/>
+          </a:p>
+        </p:txBody>
+      </p:sp>
+    </p:spTree>
+    <p:extLst>
+      <p:ext uri="{BB962C8B-B14F-4D97-AF65-F5344CB8AC3E}">
+        <p14:creationId xmlns:p14="http://schemas.microsoft.com/office/powerpoint/2010/main" val="1394589366"/>
+      </p:ext>
+    </p:extLst>
+  </p:cSld>
+  <p:clrMapOvr>
+    <a:masterClrMapping/>
+  </p:clrMapOvr>
+</p:sld>
+</file>
+
+<file path=ppt/slides/slide11.xml><?xml version="1.0" encoding="utf-8"?>
+<p:sld xmlns:a="http://schemas.openxmlformats.org/drawingml/2006/main" xmlns:r="http://schemas.openxmlformats.org/officeDocument/2006/relationships" xmlns:p="http://schemas.openxmlformats.org/presentationml/2006/main">
+  <p:cSld>
+    <p:spTree>
+      <p:nvGrpSpPr>
+        <p:cNvPr id="1" name=""/>
+        <p:cNvGrpSpPr/>
+        <p:nvPr/>
+      </p:nvGrpSpPr>
+      <p:grpSpPr>
+        <a:xfrm>
+          <a:off x="0" y="0"/>
+          <a:ext cx="0" cy="0"/>
+          <a:chOff x="0" y="0"/>
+          <a:chExt cx="0" cy="0"/>
+        </a:xfrm>
+      </p:grpSpPr>
+      <p:sp>
+        <p:nvSpPr>
+          <p:cNvPr id="2" name="Title 1"/>
+          <p:cNvSpPr>
+            <a:spLocks noGrp="1"/>
+          </p:cNvSpPr>
+          <p:nvPr>
+            <p:ph type="title"/>
+          </p:nvPr>
+        </p:nvSpPr>
+        <p:spPr/>
+        <p:txBody>
+          <a:bodyPr/>
+          <a:lstStyle/>
+          <a:p>
+            <a:r>
+              <a:rPr lang="en-US" dirty="0" smtClean="0"/>
+              <a:t>PLINQ -1-LINQ</a:t>
             </a:r>
             <a:endParaRPr lang="en-US" dirty="0"/>
           </a:p>
@@ -6488,7 +6625,7 @@
 </p:sld>
 </file>
 
-<file path=ppt/slides/slide11.xml><?xml version="1.0" encoding="utf-8"?>
+<file path=ppt/slides/slide12.xml><?xml version="1.0" encoding="utf-8"?>
 <p:sld xmlns:a="http://schemas.openxmlformats.org/drawingml/2006/main" xmlns:r="http://schemas.openxmlformats.org/officeDocument/2006/relationships" xmlns:p="http://schemas.openxmlformats.org/presentationml/2006/main">
   <p:cSld>
     <p:spTree>
@@ -6853,7 +6990,7 @@
 </p:sld>
 </file>
 
-<file path=ppt/slides/slide12.xml><?xml version="1.0" encoding="utf-8"?>
+<file path=ppt/slides/slide13.xml><?xml version="1.0" encoding="utf-8"?>
 <p:sld xmlns:a="http://schemas.openxmlformats.org/drawingml/2006/main" xmlns:r="http://schemas.openxmlformats.org/officeDocument/2006/relationships" xmlns:p="http://schemas.openxmlformats.org/presentationml/2006/main">
   <p:cSld>
     <p:spTree>
@@ -6931,7 +7068,6 @@
               <a:rPr lang="en-US" dirty="0" smtClean="0"/>
               <a:t>Input-side optimization</a:t>
             </a:r>
-            <a:endParaRPr lang="en-US" dirty="0" smtClean="0"/>
           </a:p>
         </p:txBody>
       </p:sp>
@@ -7161,7 +7297,7 @@
 </p:sld>
 </file>
 
-<file path=ppt/slides/slide13.xml><?xml version="1.0" encoding="utf-8"?>
+<file path=ppt/slides/slide14.xml><?xml version="1.0" encoding="utf-8"?>
 <p:sld xmlns:a="http://schemas.openxmlformats.org/drawingml/2006/main" xmlns:r="http://schemas.openxmlformats.org/officeDocument/2006/relationships" xmlns:p="http://schemas.openxmlformats.org/presentationml/2006/main">
   <p:cSld>
     <p:spTree>
@@ -7265,7 +7401,7 @@
 </p:sld>
 </file>
 
-<file path=ppt/slides/slide14.xml><?xml version="1.0" encoding="utf-8"?>
+<file path=ppt/slides/slide15.xml><?xml version="1.0" encoding="utf-8"?>
 <p:sld xmlns:a="http://schemas.openxmlformats.org/drawingml/2006/main" xmlns:r="http://schemas.openxmlformats.org/officeDocument/2006/relationships" xmlns:p="http://schemas.openxmlformats.org/presentationml/2006/main">
   <p:cSld>
     <p:spTree>
@@ -7750,6 +7886,79 @@
           <a:chExt cx="0" cy="0"/>
         </a:xfrm>
       </p:grpSpPr>
+      <p:pic>
+        <p:nvPicPr>
+          <p:cNvPr id="4" name="Picture 4" descr="http://www.yiibai.com/uploads/allimg/201509/1-150913101012959.png"/>
+          <p:cNvPicPr>
+            <a:picLocks noGrp="1" noChangeAspect="1" noChangeArrowheads="1"/>
+          </p:cNvPicPr>
+          <p:nvPr>
+            <p:ph idx="1"/>
+          </p:nvPr>
+        </p:nvPicPr>
+        <p:blipFill>
+          <a:blip r:embed="rId2">
+            <a:extLst>
+              <a:ext uri="{28A0092B-C50C-407E-A947-70E740481C1C}">
+                <a14:useLocalDpi xmlns:a14="http://schemas.microsoft.com/office/drawing/2010/main" val="0"/>
+              </a:ext>
+            </a:extLst>
+          </a:blip>
+          <a:srcRect/>
+          <a:stretch>
+            <a:fillRect/>
+          </a:stretch>
+        </p:blipFill>
+        <p:spPr bwMode="auto">
+          <a:xfrm>
+            <a:off x="1422701" y="1362789"/>
+            <a:ext cx="5437394" cy="3881437"/>
+          </a:xfrm>
+          <a:prstGeom prst="rect">
+            <a:avLst/>
+          </a:prstGeom>
+          <a:noFill/>
+          <a:extLst>
+            <a:ext uri="{909E8E84-426E-40DD-AFC4-6F175D3DCCD1}">
+              <a14:hiddenFill xmlns:a14="http://schemas.microsoft.com/office/drawing/2010/main">
+                <a:solidFill>
+                  <a:srgbClr val="FFFFFF"/>
+                </a:solidFill>
+              </a14:hiddenFill>
+            </a:ext>
+          </a:extLst>
+        </p:spPr>
+      </p:pic>
+    </p:spTree>
+    <p:extLst>
+      <p:ext uri="{BB962C8B-B14F-4D97-AF65-F5344CB8AC3E}">
+        <p14:creationId xmlns:p14="http://schemas.microsoft.com/office/powerpoint/2010/main" val="2913205129"/>
+      </p:ext>
+    </p:extLst>
+  </p:cSld>
+  <p:clrMapOvr>
+    <a:masterClrMapping/>
+  </p:clrMapOvr>
+</p:sld>
+</file>
+
+<file path=ppt/slides/slide4.xml><?xml version="1.0" encoding="utf-8"?>
+<p:sld xmlns:a="http://schemas.openxmlformats.org/drawingml/2006/main" xmlns:r="http://schemas.openxmlformats.org/officeDocument/2006/relationships" xmlns:p="http://schemas.openxmlformats.org/presentationml/2006/main">
+  <p:cSld>
+    <p:spTree>
+      <p:nvGrpSpPr>
+        <p:cNvPr id="1" name=""/>
+        <p:cNvGrpSpPr/>
+        <p:nvPr/>
+      </p:nvGrpSpPr>
+      <p:grpSpPr>
+        <a:xfrm>
+          <a:off x="0" y="0"/>
+          <a:ext cx="0" cy="0"/>
+          <a:chOff x="0" y="0"/>
+          <a:chExt cx="0" cy="0"/>
+        </a:xfrm>
+      </p:grpSpPr>
       <p:sp>
         <p:nvSpPr>
           <p:cNvPr id="2" name="Title 1"/>
@@ -7807,7 +8016,17 @@
           <a:p>
             <a:r>
               <a:rPr lang="en-US" dirty="0" smtClean="0"/>
-              <a:t>Task, you must partition the work yourself.</a:t>
+              <a:t>Task, you must partition the work yourself</a:t>
+            </a:r>
+            <a:r>
+              <a:rPr lang="en-US" dirty="0" smtClean="0"/>
+              <a:t>.</a:t>
+            </a:r>
+          </a:p>
+          <a:p>
+            <a:r>
+              <a:rPr lang="en-US" dirty="0" smtClean="0"/>
+              <a:t>Data Parallelism, Task Parallelism</a:t>
             </a:r>
             <a:endParaRPr lang="en-US" dirty="0"/>
           </a:p>
@@ -7867,100 +8086,6 @@
 </p:sld>
 </file>
 
-<file path=ppt/slides/slide4.xml><?xml version="1.0" encoding="utf-8"?>
-<p:sld xmlns:a="http://schemas.openxmlformats.org/drawingml/2006/main" xmlns:r="http://schemas.openxmlformats.org/officeDocument/2006/relationships" xmlns:p="http://schemas.openxmlformats.org/presentationml/2006/main">
-  <p:cSld>
-    <p:spTree>
-      <p:nvGrpSpPr>
-        <p:cNvPr id="1" name=""/>
-        <p:cNvGrpSpPr/>
-        <p:nvPr/>
-      </p:nvGrpSpPr>
-      <p:grpSpPr>
-        <a:xfrm>
-          <a:off x="0" y="0"/>
-          <a:ext cx="0" cy="0"/>
-          <a:chOff x="0" y="0"/>
-          <a:chExt cx="0" cy="0"/>
-        </a:xfrm>
-      </p:grpSpPr>
-      <p:sp>
-        <p:nvSpPr>
-          <p:cNvPr id="2" name="Title 1"/>
-          <p:cNvSpPr>
-            <a:spLocks noGrp="1"/>
-          </p:cNvSpPr>
-          <p:nvPr>
-            <p:ph type="title"/>
-          </p:nvPr>
-        </p:nvSpPr>
-        <p:spPr/>
-        <p:txBody>
-          <a:bodyPr/>
-          <a:lstStyle/>
-          <a:p>
-            <a:r>
-              <a:rPr lang="en-US" dirty="0" smtClean="0"/>
-              <a:t>Task -1 Basic</a:t>
-            </a:r>
-            <a:endParaRPr lang="en-US" dirty="0"/>
-          </a:p>
-        </p:txBody>
-      </p:sp>
-      <p:sp>
-        <p:nvSpPr>
-          <p:cNvPr id="3" name="Content Placeholder 2"/>
-          <p:cNvSpPr>
-            <a:spLocks noGrp="1"/>
-          </p:cNvSpPr>
-          <p:nvPr>
-            <p:ph idx="1"/>
-          </p:nvPr>
-        </p:nvSpPr>
-        <p:spPr/>
-        <p:txBody>
-          <a:bodyPr/>
-          <a:lstStyle/>
-          <a:p>
-            <a:r>
-              <a:rPr lang="en-US" dirty="0" err="1" smtClean="0"/>
-              <a:t>CreateTask</a:t>
-            </a:r>
-            <a:r>
-              <a:rPr lang="en-US" dirty="0" smtClean="0"/>
-              <a:t>, Factory/new</a:t>
-            </a:r>
-          </a:p>
-          <a:p>
-            <a:r>
-              <a:rPr lang="en-US" dirty="0" smtClean="0"/>
-              <a:t>Result</a:t>
-            </a:r>
-          </a:p>
-          <a:p>
-            <a:r>
-              <a:rPr lang="en-US" dirty="0" smtClean="0"/>
-              <a:t>Task</a:t>
-            </a:r>
-          </a:p>
-          <a:p>
-            <a:endParaRPr lang="en-US" dirty="0"/>
-          </a:p>
-        </p:txBody>
-      </p:sp>
-    </p:spTree>
-    <p:extLst>
-      <p:ext uri="{BB962C8B-B14F-4D97-AF65-F5344CB8AC3E}">
-        <p14:creationId xmlns:p14="http://schemas.microsoft.com/office/powerpoint/2010/main" val="1269134199"/>
-      </p:ext>
-    </p:extLst>
-  </p:cSld>
-  <p:clrMapOvr>
-    <a:masterClrMapping/>
-  </p:clrMapOvr>
-</p:sld>
-</file>
-
 <file path=ppt/slides/slide5.xml><?xml version="1.0" encoding="utf-8"?>
 <p:sld xmlns:a="http://schemas.openxmlformats.org/drawingml/2006/main" xmlns:r="http://schemas.openxmlformats.org/officeDocument/2006/relationships" xmlns:p="http://schemas.openxmlformats.org/presentationml/2006/main">
   <p:cSld>
@@ -7995,7 +8120,7 @@
           <a:p>
             <a:r>
               <a:rPr lang="en-US" dirty="0" smtClean="0"/>
-              <a:t>Task Cancel</a:t>
+              <a:t>Task Basic</a:t>
             </a:r>
             <a:endParaRPr lang="en-US" dirty="0"/>
           </a:p>
@@ -8011,14 +8136,741 @@
             <p:ph idx="1"/>
           </p:nvPr>
         </p:nvSpPr>
-        <p:spPr/>
+        <p:spPr>
+          <a:xfrm>
+            <a:off x="773250" y="1282615"/>
+            <a:ext cx="8500751" cy="4758747"/>
+          </a:xfrm>
+        </p:spPr>
         <p:txBody>
           <a:bodyPr/>
           <a:lstStyle/>
           <a:p>
             <a:r>
+              <a:rPr lang="en-US" dirty="0" err="1" smtClean="0"/>
+              <a:t>CreateTask</a:t>
+            </a:r>
+            <a:r>
               <a:rPr lang="en-US" dirty="0" smtClean="0"/>
-              <a:t>Cancel Task/Tasks  (Demo 1/ Demo 2)</a:t>
+              <a:t>, </a:t>
+            </a:r>
+            <a:r>
+              <a:rPr lang="en-US" dirty="0" smtClean="0"/>
+              <a:t>Factory/new, Result</a:t>
+            </a:r>
+          </a:p>
+          <a:p>
+            <a:endParaRPr lang="en-US" dirty="0"/>
+          </a:p>
+          <a:p>
+            <a:endParaRPr lang="en-US" dirty="0" smtClean="0"/>
+          </a:p>
+          <a:p>
+            <a:endParaRPr lang="en-US" dirty="0"/>
+          </a:p>
+          <a:p>
+            <a:endParaRPr lang="en-US" dirty="0" smtClean="0"/>
+          </a:p>
+          <a:p>
+            <a:endParaRPr lang="en-US" dirty="0" smtClean="0"/>
+          </a:p>
+          <a:p>
+            <a:r>
+              <a:rPr lang="en-US" dirty="0" smtClean="0"/>
+              <a:t>Task Status (Initial/final)</a:t>
+            </a:r>
+            <a:endParaRPr lang="en-US" dirty="0"/>
+          </a:p>
+        </p:txBody>
+      </p:sp>
+      <p:graphicFrame>
+        <p:nvGraphicFramePr>
+          <p:cNvPr id="7" name="Table 6"/>
+          <p:cNvGraphicFramePr>
+            <a:graphicFrameLocks noGrp="1"/>
+          </p:cNvGraphicFramePr>
+          <p:nvPr>
+            <p:extLst>
+              <p:ext uri="{D42A27DB-BD31-4B8C-83A1-F6EECF244321}">
+                <p14:modId xmlns:p14="http://schemas.microsoft.com/office/powerpoint/2010/main" val="3358912414"/>
+              </p:ext>
+            </p:extLst>
+          </p:nvPr>
+        </p:nvGraphicFramePr>
+        <p:xfrm>
+          <a:off x="859168" y="4264347"/>
+          <a:ext cx="8104134" cy="2201838"/>
+        </p:xfrm>
+        <a:graphic>
+          <a:graphicData uri="http://schemas.openxmlformats.org/drawingml/2006/table">
+            <a:tbl>
+              <a:tblPr firstRow="1" bandRow="1">
+                <a:tableStyleId>{5C22544A-7EE6-4342-B048-85BDC9FD1C3A}</a:tableStyleId>
+              </a:tblPr>
+              <a:tblGrid>
+                <a:gridCol w="1307162"/>
+                <a:gridCol w="6796972"/>
+              </a:tblGrid>
+              <a:tr h="151060">
+                <a:tc>
+                  <a:txBody>
+                    <a:bodyPr/>
+                    <a:lstStyle/>
+                    <a:p>
+                      <a:r>
+                        <a:rPr lang="en-US" sz="900" dirty="0" err="1" smtClean="0"/>
+                        <a:t>TaskStatus</a:t>
+                      </a:r>
+                      <a:endParaRPr lang="en-US" sz="900" dirty="0"/>
+                    </a:p>
+                  </a:txBody>
+                  <a:tcPr/>
+                </a:tc>
+                <a:tc>
+                  <a:txBody>
+                    <a:bodyPr/>
+                    <a:lstStyle/>
+                    <a:p>
+                      <a:endParaRPr lang="en-US" sz="900" dirty="0"/>
+                    </a:p>
+                  </a:txBody>
+                  <a:tcPr/>
+                </a:tc>
+              </a:tr>
+              <a:tr h="245053">
+                <a:tc>
+                  <a:txBody>
+                    <a:bodyPr/>
+                    <a:lstStyle/>
+                    <a:p>
+                      <a:r>
+                        <a:rPr lang="en-US" sz="900" dirty="0" smtClean="0"/>
+                        <a:t>Created</a:t>
+                      </a:r>
+                      <a:endParaRPr lang="en-US" sz="900" dirty="0"/>
+                    </a:p>
+                  </a:txBody>
+                  <a:tcPr/>
+                </a:tc>
+                <a:tc>
+                  <a:txBody>
+                    <a:bodyPr/>
+                    <a:lstStyle/>
+                    <a:p>
+                      <a:r>
+                        <a:rPr lang="en-US" sz="900" dirty="0" smtClean="0"/>
+                        <a:t>The task has been initialized but has not yet been scheduled</a:t>
+                      </a:r>
+                      <a:endParaRPr lang="en-US" sz="900" dirty="0"/>
+                    </a:p>
+                  </a:txBody>
+                  <a:tcPr/>
+                </a:tc>
+              </a:tr>
+              <a:tr h="245053">
+                <a:tc>
+                  <a:txBody>
+                    <a:bodyPr/>
+                    <a:lstStyle/>
+                    <a:p>
+                      <a:r>
+                        <a:rPr lang="en-US" sz="900" dirty="0" err="1" smtClean="0"/>
+                        <a:t>WaitingForActivation</a:t>
+                      </a:r>
+                      <a:endParaRPr lang="en-US" sz="900" dirty="0"/>
+                    </a:p>
+                  </a:txBody>
+                  <a:tcPr/>
+                </a:tc>
+                <a:tc>
+                  <a:txBody>
+                    <a:bodyPr/>
+                    <a:lstStyle/>
+                    <a:p>
+                      <a:pPr marL="0" marR="0" indent="0" algn="l" defTabSz="457200" rtl="0" eaLnBrk="1" fontAlgn="auto" latinLnBrk="0" hangingPunct="1">
+                        <a:lnSpc>
+                          <a:spcPct val="100000"/>
+                        </a:lnSpc>
+                        <a:spcBef>
+                          <a:spcPts val="0"/>
+                        </a:spcBef>
+                        <a:spcAft>
+                          <a:spcPts val="0"/>
+                        </a:spcAft>
+                        <a:buClrTx/>
+                        <a:buSzTx/>
+                        <a:buFontTx/>
+                        <a:buNone/>
+                        <a:tabLst/>
+                        <a:defRPr/>
+                      </a:pPr>
+                      <a:r>
+                        <a:rPr lang="en-US" sz="900" dirty="0" smtClean="0"/>
+                        <a:t>The task is waiting to be activated and scheduled internally by the .NET Framework infrastructure.</a:t>
+                      </a:r>
+                      <a:endParaRPr lang="en-US" sz="900" dirty="0"/>
+                    </a:p>
+                  </a:txBody>
+                  <a:tcPr/>
+                </a:tc>
+              </a:tr>
+              <a:tr h="245053">
+                <a:tc>
+                  <a:txBody>
+                    <a:bodyPr/>
+                    <a:lstStyle/>
+                    <a:p>
+                      <a:r>
+                        <a:rPr lang="en-US" sz="900" dirty="0" err="1" smtClean="0"/>
+                        <a:t>WaitingToRun</a:t>
+                      </a:r>
+                      <a:endParaRPr lang="en-US" sz="900" dirty="0"/>
+                    </a:p>
+                  </a:txBody>
+                  <a:tcPr/>
+                </a:tc>
+                <a:tc>
+                  <a:txBody>
+                    <a:bodyPr/>
+                    <a:lstStyle/>
+                    <a:p>
+                      <a:pPr marL="0" marR="0" indent="0" algn="l" defTabSz="457200" rtl="0" eaLnBrk="1" fontAlgn="auto" latinLnBrk="0" hangingPunct="1">
+                        <a:lnSpc>
+                          <a:spcPct val="100000"/>
+                        </a:lnSpc>
+                        <a:spcBef>
+                          <a:spcPts val="0"/>
+                        </a:spcBef>
+                        <a:spcAft>
+                          <a:spcPts val="0"/>
+                        </a:spcAft>
+                        <a:buClrTx/>
+                        <a:buSzTx/>
+                        <a:buFontTx/>
+                        <a:buNone/>
+                        <a:tabLst/>
+                        <a:defRPr/>
+                      </a:pPr>
+                      <a:r>
+                        <a:rPr lang="en-US" sz="900" dirty="0" smtClean="0"/>
+                        <a:t>The task has been scheduled for execution but has not yet begun executing.</a:t>
+                      </a:r>
+                      <a:endParaRPr lang="en-US" sz="900" dirty="0"/>
+                    </a:p>
+                  </a:txBody>
+                  <a:tcPr/>
+                </a:tc>
+              </a:tr>
+              <a:tr h="245053">
+                <a:tc>
+                  <a:txBody>
+                    <a:bodyPr/>
+                    <a:lstStyle/>
+                    <a:p>
+                      <a:r>
+                        <a:rPr lang="en-US" sz="900" dirty="0" smtClean="0"/>
+                        <a:t>Canceled</a:t>
+                      </a:r>
+                      <a:endParaRPr lang="en-US" sz="900" dirty="0"/>
+                    </a:p>
+                  </a:txBody>
+                  <a:tcPr/>
+                </a:tc>
+                <a:tc>
+                  <a:txBody>
+                    <a:bodyPr/>
+                    <a:lstStyle/>
+                    <a:p>
+                      <a:pPr marL="0" marR="0" indent="0" algn="l" defTabSz="457200" rtl="0" eaLnBrk="1" fontAlgn="auto" latinLnBrk="0" hangingPunct="1">
+                        <a:lnSpc>
+                          <a:spcPct val="100000"/>
+                        </a:lnSpc>
+                        <a:spcBef>
+                          <a:spcPts val="0"/>
+                        </a:spcBef>
+                        <a:spcAft>
+                          <a:spcPts val="0"/>
+                        </a:spcAft>
+                        <a:buClrTx/>
+                        <a:buSzTx/>
+                        <a:buFontTx/>
+                        <a:buNone/>
+                        <a:tabLst/>
+                        <a:defRPr/>
+                      </a:pPr>
+                      <a:r>
+                        <a:rPr lang="en-US" sz="900" dirty="0" smtClean="0"/>
+                        <a:t>The task acknowledged cancellation by throwing an </a:t>
+                      </a:r>
+                      <a:r>
+                        <a:rPr lang="en-US" sz="900" dirty="0" err="1" smtClean="0"/>
+                        <a:t>OperationCanceledException</a:t>
+                      </a:r>
+                      <a:r>
+                        <a:rPr lang="en-US" sz="900" dirty="0" smtClean="0"/>
+                        <a:t> with its own </a:t>
+                      </a:r>
+                      <a:r>
+                        <a:rPr lang="en-US" sz="900" dirty="0" err="1" smtClean="0"/>
+                        <a:t>CancellationToken</a:t>
+                      </a:r>
+                      <a:r>
+                        <a:rPr lang="en-US" sz="900" dirty="0" smtClean="0"/>
+                        <a:t> while the token was in signaled state, or the task's </a:t>
+                      </a:r>
+                      <a:r>
+                        <a:rPr lang="en-US" sz="900" dirty="0" err="1" smtClean="0"/>
+                        <a:t>CancellationToken</a:t>
+                      </a:r>
+                      <a:r>
+                        <a:rPr lang="en-US" sz="900" dirty="0" smtClean="0"/>
+                        <a:t> was already signaled before the task started executing. For more information, see </a:t>
+                      </a:r>
+                      <a:r>
+                        <a:rPr lang="en-US" sz="900" dirty="0" smtClean="0">
+                          <a:hlinkClick r:id="rId2"/>
+                        </a:rPr>
+                        <a:t>Task Cancellation</a:t>
+                      </a:r>
+                      <a:r>
+                        <a:rPr lang="en-US" sz="900" dirty="0" smtClean="0"/>
+                        <a:t>.</a:t>
+                      </a:r>
+                      <a:endParaRPr lang="en-US" sz="900" dirty="0"/>
+                    </a:p>
+                  </a:txBody>
+                  <a:tcPr/>
+                </a:tc>
+              </a:tr>
+              <a:tr h="245053">
+                <a:tc>
+                  <a:txBody>
+                    <a:bodyPr/>
+                    <a:lstStyle/>
+                    <a:p>
+                      <a:r>
+                        <a:rPr lang="en-US" sz="900" dirty="0" smtClean="0"/>
+                        <a:t>Faulted</a:t>
+                      </a:r>
+                      <a:endParaRPr lang="en-US" sz="900" dirty="0"/>
+                    </a:p>
+                  </a:txBody>
+                  <a:tcPr/>
+                </a:tc>
+                <a:tc>
+                  <a:txBody>
+                    <a:bodyPr/>
+                    <a:lstStyle/>
+                    <a:p>
+                      <a:r>
+                        <a:rPr lang="en-US" sz="900" dirty="0" smtClean="0"/>
+                        <a:t>The task completed due to an unhandled exception</a:t>
+                      </a:r>
+                      <a:endParaRPr lang="en-US" sz="900" dirty="0"/>
+                    </a:p>
+                  </a:txBody>
+                  <a:tcPr/>
+                </a:tc>
+              </a:tr>
+              <a:tr h="245053">
+                <a:tc>
+                  <a:txBody>
+                    <a:bodyPr/>
+                    <a:lstStyle/>
+                    <a:p>
+                      <a:r>
+                        <a:rPr lang="en-US" sz="900" dirty="0" err="1" smtClean="0"/>
+                        <a:t>RanToCompletion</a:t>
+                      </a:r>
+                      <a:endParaRPr lang="en-US" sz="900" dirty="0"/>
+                    </a:p>
+                  </a:txBody>
+                  <a:tcPr/>
+                </a:tc>
+                <a:tc>
+                  <a:txBody>
+                    <a:bodyPr/>
+                    <a:lstStyle/>
+                    <a:p>
+                      <a:pPr marL="0" marR="0" indent="0" algn="l" defTabSz="457200" rtl="0" eaLnBrk="1" fontAlgn="auto" latinLnBrk="0" hangingPunct="1">
+                        <a:lnSpc>
+                          <a:spcPct val="100000"/>
+                        </a:lnSpc>
+                        <a:spcBef>
+                          <a:spcPts val="0"/>
+                        </a:spcBef>
+                        <a:spcAft>
+                          <a:spcPts val="0"/>
+                        </a:spcAft>
+                        <a:buClrTx/>
+                        <a:buSzTx/>
+                        <a:buFontTx/>
+                        <a:buNone/>
+                        <a:tabLst/>
+                        <a:defRPr/>
+                      </a:pPr>
+                      <a:r>
+                        <a:rPr lang="en-US" sz="900" dirty="0" smtClean="0"/>
+                        <a:t>The task completed execution successfully.</a:t>
+                      </a:r>
+                      <a:endParaRPr lang="en-US" sz="900" dirty="0"/>
+                    </a:p>
+                  </a:txBody>
+                  <a:tcPr/>
+                </a:tc>
+              </a:tr>
+              <a:tr h="245053">
+                <a:tc>
+                  <a:txBody>
+                    <a:bodyPr/>
+                    <a:lstStyle/>
+                    <a:p>
+                      <a:r>
+                        <a:rPr lang="en-US" sz="900" dirty="0" smtClean="0"/>
+                        <a:t>Running</a:t>
+                      </a:r>
+                      <a:endParaRPr lang="en-US" sz="900" dirty="0"/>
+                    </a:p>
+                  </a:txBody>
+                  <a:tcPr/>
+                </a:tc>
+                <a:tc>
+                  <a:txBody>
+                    <a:bodyPr/>
+                    <a:lstStyle/>
+                    <a:p>
+                      <a:pPr marL="0" marR="0" indent="0" algn="l" defTabSz="457200" rtl="0" eaLnBrk="1" fontAlgn="auto" latinLnBrk="0" hangingPunct="1">
+                        <a:lnSpc>
+                          <a:spcPct val="100000"/>
+                        </a:lnSpc>
+                        <a:spcBef>
+                          <a:spcPts val="0"/>
+                        </a:spcBef>
+                        <a:spcAft>
+                          <a:spcPts val="0"/>
+                        </a:spcAft>
+                        <a:buClrTx/>
+                        <a:buSzTx/>
+                        <a:buFontTx/>
+                        <a:buNone/>
+                        <a:tabLst/>
+                        <a:defRPr/>
+                      </a:pPr>
+                      <a:r>
+                        <a:rPr lang="en-US" sz="900" dirty="0" smtClean="0"/>
+                        <a:t>The task is running but has not yet completed.</a:t>
+                      </a:r>
+                      <a:endParaRPr lang="en-US" sz="900" dirty="0"/>
+                    </a:p>
+                  </a:txBody>
+                  <a:tcPr/>
+                </a:tc>
+              </a:tr>
+            </a:tbl>
+          </a:graphicData>
+        </a:graphic>
+      </p:graphicFrame>
+      <p:graphicFrame>
+        <p:nvGraphicFramePr>
+          <p:cNvPr id="8" name="Table 7"/>
+          <p:cNvGraphicFramePr>
+            <a:graphicFrameLocks noGrp="1"/>
+          </p:cNvGraphicFramePr>
+          <p:nvPr>
+            <p:extLst>
+              <p:ext uri="{D42A27DB-BD31-4B8C-83A1-F6EECF244321}">
+                <p14:modId xmlns:p14="http://schemas.microsoft.com/office/powerpoint/2010/main" val="3112151842"/>
+              </p:ext>
+            </p:extLst>
+          </p:nvPr>
+        </p:nvGraphicFramePr>
+        <p:xfrm>
+          <a:off x="859168" y="1629988"/>
+          <a:ext cx="8027082" cy="2057400"/>
+        </p:xfrm>
+        <a:graphic>
+          <a:graphicData uri="http://schemas.openxmlformats.org/drawingml/2006/table">
+            <a:tbl>
+              <a:tblPr firstRow="1" bandRow="1">
+                <a:tableStyleId>{5C22544A-7EE6-4342-B048-85BDC9FD1C3A}</a:tableStyleId>
+              </a:tblPr>
+              <a:tblGrid>
+                <a:gridCol w="2098144"/>
+                <a:gridCol w="5928938"/>
+              </a:tblGrid>
+              <a:tr h="370840">
+                <a:tc>
+                  <a:txBody>
+                    <a:bodyPr/>
+                    <a:lstStyle/>
+                    <a:p>
+                      <a:r>
+                        <a:rPr lang="en-US" sz="1000" dirty="0" err="1" smtClean="0"/>
+                        <a:t>TaskCreationOptions</a:t>
+                      </a:r>
+                      <a:endParaRPr lang="en-US" sz="1000" dirty="0"/>
+                    </a:p>
+                  </a:txBody>
+                  <a:tcPr/>
+                </a:tc>
+                <a:tc>
+                  <a:txBody>
+                    <a:bodyPr/>
+                    <a:lstStyle/>
+                    <a:p>
+                      <a:endParaRPr lang="en-US" sz="1000" dirty="0"/>
+                    </a:p>
+                  </a:txBody>
+                  <a:tcPr/>
+                </a:tc>
+              </a:tr>
+              <a:tr h="370840">
+                <a:tc>
+                  <a:txBody>
+                    <a:bodyPr/>
+                    <a:lstStyle/>
+                    <a:p>
+                      <a:r>
+                        <a:rPr lang="en-US" sz="1000" dirty="0" err="1" smtClean="0"/>
+                        <a:t>LongRunning</a:t>
+                      </a:r>
+                      <a:endParaRPr lang="en-US" sz="1000" dirty="0"/>
+                    </a:p>
+                  </a:txBody>
+                  <a:tcPr/>
+                </a:tc>
+                <a:tc>
+                  <a:txBody>
+                    <a:bodyPr/>
+                    <a:lstStyle/>
+                    <a:p>
+                      <a:r>
+                        <a:rPr lang="en-US" sz="1000" dirty="0" smtClean="0"/>
+                        <a:t>Specifies that a task will be a long-running, coarse-grained operation involving fewer, larger components than fine-grained systems.</a:t>
+                      </a:r>
+                      <a:endParaRPr lang="en-US" sz="1000" dirty="0"/>
+                    </a:p>
+                  </a:txBody>
+                  <a:tcPr/>
+                </a:tc>
+              </a:tr>
+              <a:tr h="370840">
+                <a:tc>
+                  <a:txBody>
+                    <a:bodyPr/>
+                    <a:lstStyle/>
+                    <a:p>
+                      <a:r>
+                        <a:rPr lang="en-US" sz="1000" dirty="0" smtClean="0"/>
+                        <a:t>None</a:t>
+                      </a:r>
+                      <a:endParaRPr lang="en-US" sz="1000" dirty="0"/>
+                    </a:p>
+                  </a:txBody>
+                  <a:tcPr/>
+                </a:tc>
+                <a:tc>
+                  <a:txBody>
+                    <a:bodyPr/>
+                    <a:lstStyle/>
+                    <a:p>
+                      <a:pPr marL="0" marR="0" indent="0" algn="l" defTabSz="457200" rtl="0" eaLnBrk="1" fontAlgn="auto" latinLnBrk="0" hangingPunct="1">
+                        <a:lnSpc>
+                          <a:spcPct val="100000"/>
+                        </a:lnSpc>
+                        <a:spcBef>
+                          <a:spcPts val="0"/>
+                        </a:spcBef>
+                        <a:spcAft>
+                          <a:spcPts val="0"/>
+                        </a:spcAft>
+                        <a:buClrTx/>
+                        <a:buSzTx/>
+                        <a:buFontTx/>
+                        <a:buNone/>
+                        <a:tabLst/>
+                        <a:defRPr/>
+                      </a:pPr>
+                      <a:r>
+                        <a:rPr lang="en-US" sz="1000" dirty="0" smtClean="0"/>
+                        <a:t>Specifies that the default behavior should be used.</a:t>
+                      </a:r>
+                      <a:endParaRPr lang="en-US" sz="1000" dirty="0"/>
+                    </a:p>
+                  </a:txBody>
+                  <a:tcPr/>
+                </a:tc>
+              </a:tr>
+              <a:tr h="370840">
+                <a:tc>
+                  <a:txBody>
+                    <a:bodyPr/>
+                    <a:lstStyle/>
+                    <a:p>
+                      <a:r>
+                        <a:rPr lang="en-US" sz="1000" dirty="0" err="1" smtClean="0"/>
+                        <a:t>AttachedToParent</a:t>
+                      </a:r>
+                      <a:endParaRPr lang="en-US" sz="1000" dirty="0"/>
+                    </a:p>
+                  </a:txBody>
+                  <a:tcPr/>
+                </a:tc>
+                <a:tc>
+                  <a:txBody>
+                    <a:bodyPr/>
+                    <a:lstStyle/>
+                    <a:p>
+                      <a:r>
+                        <a:rPr lang="en-US" sz="1000" dirty="0" smtClean="0"/>
+                        <a:t>Specifies that a task is attached to a parent in the task hierarchy</a:t>
+                      </a:r>
+                      <a:endParaRPr lang="en-US" sz="1000" dirty="0"/>
+                    </a:p>
+                  </a:txBody>
+                  <a:tcPr/>
+                </a:tc>
+              </a:tr>
+              <a:tr h="370840">
+                <a:tc>
+                  <a:txBody>
+                    <a:bodyPr/>
+                    <a:lstStyle/>
+                    <a:p>
+                      <a:r>
+                        <a:rPr lang="en-US" sz="1000" dirty="0" err="1" smtClean="0"/>
+                        <a:t>PreferFairness</a:t>
+                      </a:r>
+                      <a:endParaRPr lang="en-US" sz="1000" dirty="0"/>
+                    </a:p>
+                  </a:txBody>
+                  <a:tcPr/>
+                </a:tc>
+                <a:tc>
+                  <a:txBody>
+                    <a:bodyPr/>
+                    <a:lstStyle/>
+                    <a:p>
+                      <a:pPr marL="0" marR="0" indent="0" algn="l" defTabSz="457200" rtl="0" eaLnBrk="1" fontAlgn="auto" latinLnBrk="0" hangingPunct="1">
+                        <a:lnSpc>
+                          <a:spcPct val="100000"/>
+                        </a:lnSpc>
+                        <a:spcBef>
+                          <a:spcPts val="0"/>
+                        </a:spcBef>
+                        <a:spcAft>
+                          <a:spcPts val="0"/>
+                        </a:spcAft>
+                        <a:buClrTx/>
+                        <a:buSzTx/>
+                        <a:buFontTx/>
+                        <a:buNone/>
+                        <a:tabLst/>
+                        <a:defRPr/>
+                      </a:pPr>
+                      <a:r>
+                        <a:rPr lang="en-US" sz="1000" dirty="0" smtClean="0"/>
+                        <a:t>A hint to a </a:t>
+                      </a:r>
+                      <a:r>
+                        <a:rPr lang="en-US" sz="1000" dirty="0" err="1" smtClean="0">
+                          <a:hlinkClick r:id="rId3"/>
+                        </a:rPr>
+                        <a:t>TaskScheduler</a:t>
+                      </a:r>
+                      <a:r>
+                        <a:rPr lang="en-US" sz="1000" dirty="0" smtClean="0"/>
+                        <a:t> to schedule a task in as fair a manner as possible, meaning that tasks scheduled sooner will be more likely to be run sooner, and tasks scheduled later will be more likely to be run later.</a:t>
+                      </a:r>
+                      <a:endParaRPr lang="en-US" sz="1000" dirty="0"/>
+                    </a:p>
+                  </a:txBody>
+                  <a:tcPr/>
+                </a:tc>
+              </a:tr>
+            </a:tbl>
+          </a:graphicData>
+        </a:graphic>
+      </p:graphicFrame>
+    </p:spTree>
+    <p:extLst>
+      <p:ext uri="{BB962C8B-B14F-4D97-AF65-F5344CB8AC3E}">
+        <p14:creationId xmlns:p14="http://schemas.microsoft.com/office/powerpoint/2010/main" val="1269134199"/>
+      </p:ext>
+    </p:extLst>
+  </p:cSld>
+  <p:clrMapOvr>
+    <a:masterClrMapping/>
+  </p:clrMapOvr>
+</p:sld>
+</file>
+
+<file path=ppt/slides/slide6.xml><?xml version="1.0" encoding="utf-8"?>
+<p:sld xmlns:a="http://schemas.openxmlformats.org/drawingml/2006/main" xmlns:r="http://schemas.openxmlformats.org/officeDocument/2006/relationships" xmlns:p="http://schemas.openxmlformats.org/presentationml/2006/main">
+  <p:cSld>
+    <p:spTree>
+      <p:nvGrpSpPr>
+        <p:cNvPr id="1" name=""/>
+        <p:cNvGrpSpPr/>
+        <p:nvPr/>
+      </p:nvGrpSpPr>
+      <p:grpSpPr>
+        <a:xfrm>
+          <a:off x="0" y="0"/>
+          <a:ext cx="0" cy="0"/>
+          <a:chOff x="0" y="0"/>
+          <a:chExt cx="0" cy="0"/>
+        </a:xfrm>
+      </p:grpSpPr>
+      <p:sp>
+        <p:nvSpPr>
+          <p:cNvPr id="2" name="Title 1"/>
+          <p:cNvSpPr>
+            <a:spLocks noGrp="1"/>
+          </p:cNvSpPr>
+          <p:nvPr>
+            <p:ph type="title"/>
+          </p:nvPr>
+        </p:nvSpPr>
+        <p:spPr/>
+        <p:txBody>
+          <a:bodyPr/>
+          <a:lstStyle/>
+          <a:p>
+            <a:r>
+              <a:rPr lang="en-US" dirty="0" smtClean="0"/>
+              <a:t>Task </a:t>
+            </a:r>
+            <a:r>
+              <a:rPr lang="en-US" dirty="0" smtClean="0"/>
+              <a:t>Cancellation</a:t>
+            </a:r>
+            <a:endParaRPr lang="en-US" dirty="0"/>
+          </a:p>
+        </p:txBody>
+      </p:sp>
+      <p:sp>
+        <p:nvSpPr>
+          <p:cNvPr id="3" name="Content Placeholder 2"/>
+          <p:cNvSpPr>
+            <a:spLocks noGrp="1"/>
+          </p:cNvSpPr>
+          <p:nvPr>
+            <p:ph idx="1"/>
+          </p:nvPr>
+        </p:nvSpPr>
+        <p:spPr/>
+        <p:txBody>
+          <a:bodyPr/>
+          <a:lstStyle/>
+          <a:p>
+            <a:r>
+              <a:rPr lang="en-US" dirty="0" smtClean="0"/>
+              <a:t>How to cancel Task/Tasks? </a:t>
+            </a:r>
+            <a:r>
+              <a:rPr lang="en-US" dirty="0" smtClean="0"/>
+              <a:t>(Demo 1/ Demo 2)</a:t>
             </a:r>
           </a:p>
           <a:p>
@@ -8051,7 +8903,324 @@
 </p:sld>
 </file>
 
-<file path=ppt/slides/slide6.xml><?xml version="1.0" encoding="utf-8"?>
+<file path=ppt/slides/slide7.xml><?xml version="1.0" encoding="utf-8"?>
+<p:sld xmlns:a="http://schemas.openxmlformats.org/drawingml/2006/main" xmlns:r="http://schemas.openxmlformats.org/officeDocument/2006/relationships" xmlns:p="http://schemas.openxmlformats.org/presentationml/2006/main">
+  <p:cSld>
+    <p:spTree>
+      <p:nvGrpSpPr>
+        <p:cNvPr id="1" name=""/>
+        <p:cNvGrpSpPr/>
+        <p:nvPr/>
+      </p:nvGrpSpPr>
+      <p:grpSpPr>
+        <a:xfrm>
+          <a:off x="0" y="0"/>
+          <a:ext cx="0" cy="0"/>
+          <a:chOff x="0" y="0"/>
+          <a:chExt cx="0" cy="0"/>
+        </a:xfrm>
+      </p:grpSpPr>
+      <p:sp>
+        <p:nvSpPr>
+          <p:cNvPr id="2" name="Title 1"/>
+          <p:cNvSpPr>
+            <a:spLocks noGrp="1"/>
+          </p:cNvSpPr>
+          <p:nvPr>
+            <p:ph type="title"/>
+          </p:nvPr>
+        </p:nvSpPr>
+        <p:spPr/>
+        <p:txBody>
+          <a:bodyPr/>
+          <a:lstStyle/>
+          <a:p>
+            <a:r>
+              <a:rPr lang="en-US" dirty="0" smtClean="0"/>
+              <a:t>Task </a:t>
+            </a:r>
+            <a:r>
+              <a:rPr lang="en-US" dirty="0" smtClean="0"/>
+              <a:t>Wait and Continuation</a:t>
+            </a:r>
+            <a:endParaRPr lang="en-US" dirty="0"/>
+          </a:p>
+        </p:txBody>
+      </p:sp>
+      <p:sp>
+        <p:nvSpPr>
+          <p:cNvPr id="3" name="Content Placeholder 2"/>
+          <p:cNvSpPr>
+            <a:spLocks noGrp="1"/>
+          </p:cNvSpPr>
+          <p:nvPr>
+            <p:ph idx="1"/>
+          </p:nvPr>
+        </p:nvSpPr>
+        <p:spPr/>
+        <p:txBody>
+          <a:bodyPr/>
+          <a:lstStyle/>
+          <a:p>
+            <a:r>
+              <a:rPr lang="en-US" dirty="0" err="1" smtClean="0"/>
+              <a:t>Task.WaitA</a:t>
+            </a:r>
+            <a:r>
+              <a:rPr lang="en-US" dirty="0" err="1" smtClean="0"/>
+              <a:t>ll</a:t>
+            </a:r>
+            <a:r>
+              <a:rPr lang="en-US" dirty="0" smtClean="0"/>
+              <a:t>, </a:t>
+            </a:r>
+            <a:r>
+              <a:rPr lang="en-US" dirty="0" err="1" smtClean="0"/>
+              <a:t>Task.WaitAny</a:t>
+            </a:r>
+            <a:endParaRPr lang="en-US" dirty="0" smtClean="0"/>
+          </a:p>
+          <a:p>
+            <a:r>
+              <a:rPr lang="en-US" dirty="0" err="1" smtClean="0"/>
+              <a:t>ContinueWith</a:t>
+            </a:r>
+            <a:endParaRPr lang="en-US" dirty="0" smtClean="0"/>
+          </a:p>
+          <a:p>
+            <a:endParaRPr lang="en-US" dirty="0" smtClean="0"/>
+          </a:p>
+          <a:p>
+            <a:endParaRPr lang="en-US" dirty="0"/>
+          </a:p>
+        </p:txBody>
+      </p:sp>
+      <p:graphicFrame>
+        <p:nvGraphicFramePr>
+          <p:cNvPr id="4" name="Table 3"/>
+          <p:cNvGraphicFramePr>
+            <a:graphicFrameLocks noGrp="1"/>
+          </p:cNvGraphicFramePr>
+          <p:nvPr>
+            <p:extLst>
+              <p:ext uri="{D42A27DB-BD31-4B8C-83A1-F6EECF244321}">
+                <p14:modId xmlns:p14="http://schemas.microsoft.com/office/powerpoint/2010/main" val="2602647406"/>
+              </p:ext>
+            </p:extLst>
+          </p:nvPr>
+        </p:nvGraphicFramePr>
+        <p:xfrm>
+          <a:off x="791662" y="3385145"/>
+          <a:ext cx="8027082" cy="1905000"/>
+        </p:xfrm>
+        <a:graphic>
+          <a:graphicData uri="http://schemas.openxmlformats.org/drawingml/2006/table">
+            <a:tbl>
+              <a:tblPr firstRow="1" bandRow="1">
+                <a:tableStyleId>{5C22544A-7EE6-4342-B048-85BDC9FD1C3A}</a:tableStyleId>
+              </a:tblPr>
+              <a:tblGrid>
+                <a:gridCol w="2098144"/>
+                <a:gridCol w="5928938"/>
+              </a:tblGrid>
+              <a:tr h="370840">
+                <a:tc>
+                  <a:txBody>
+                    <a:bodyPr/>
+                    <a:lstStyle/>
+                    <a:p>
+                      <a:r>
+                        <a:rPr lang="en-US" sz="1000" b="1" dirty="0" err="1" smtClean="0"/>
+                        <a:t>TaskContinuationOptions</a:t>
+                      </a:r>
+                      <a:endParaRPr lang="en-US" sz="1000" dirty="0"/>
+                    </a:p>
+                  </a:txBody>
+                  <a:tcPr/>
+                </a:tc>
+                <a:tc>
+                  <a:txBody>
+                    <a:bodyPr/>
+                    <a:lstStyle/>
+                    <a:p>
+                      <a:endParaRPr lang="en-US" sz="1000" dirty="0"/>
+                    </a:p>
+                  </a:txBody>
+                  <a:tcPr/>
+                </a:tc>
+              </a:tr>
+              <a:tr h="370840">
+                <a:tc>
+                  <a:txBody>
+                    <a:bodyPr/>
+                    <a:lstStyle/>
+                    <a:p>
+                      <a:r>
+                        <a:rPr lang="en-US" sz="1000" dirty="0" err="1" smtClean="0"/>
+                        <a:t>OnlyOnCanceled</a:t>
+                      </a:r>
+                      <a:endParaRPr lang="en-US" sz="1000" dirty="0"/>
+                    </a:p>
+                  </a:txBody>
+                  <a:tcPr/>
+                </a:tc>
+                <a:tc>
+                  <a:txBody>
+                    <a:bodyPr/>
+                    <a:lstStyle/>
+                    <a:p>
+                      <a:r>
+                        <a:rPr lang="en-US" sz="1000" dirty="0" smtClean="0"/>
+                        <a:t>Specifies that the continuation should be scheduled only if its antecedent was canceled.</a:t>
+                      </a:r>
+                      <a:endParaRPr lang="en-US" sz="1000" dirty="0"/>
+                    </a:p>
+                  </a:txBody>
+                  <a:tcPr/>
+                </a:tc>
+              </a:tr>
+              <a:tr h="370840">
+                <a:tc>
+                  <a:txBody>
+                    <a:bodyPr/>
+                    <a:lstStyle/>
+                    <a:p>
+                      <a:r>
+                        <a:rPr lang="en-US" sz="1000" dirty="0" err="1" smtClean="0"/>
+                        <a:t>OnlyOnFaulted</a:t>
+                      </a:r>
+                      <a:endParaRPr lang="en-US" sz="1000" dirty="0"/>
+                    </a:p>
+                  </a:txBody>
+                  <a:tcPr/>
+                </a:tc>
+                <a:tc>
+                  <a:txBody>
+                    <a:bodyPr/>
+                    <a:lstStyle/>
+                    <a:p>
+                      <a:pPr marL="0" marR="0" indent="0" algn="l" defTabSz="457200" rtl="0" eaLnBrk="1" fontAlgn="auto" latinLnBrk="0" hangingPunct="1">
+                        <a:lnSpc>
+                          <a:spcPct val="100000"/>
+                        </a:lnSpc>
+                        <a:spcBef>
+                          <a:spcPts val="0"/>
+                        </a:spcBef>
+                        <a:spcAft>
+                          <a:spcPts val="0"/>
+                        </a:spcAft>
+                        <a:buClrTx/>
+                        <a:buSzTx/>
+                        <a:buFontTx/>
+                        <a:buNone/>
+                        <a:tabLst/>
+                        <a:defRPr/>
+                      </a:pPr>
+                      <a:r>
+                        <a:rPr lang="en-US" sz="1000" dirty="0" smtClean="0"/>
+                        <a:t>Specifies that the continuation task should be scheduled only if its antecedent threw an unhandled exception.</a:t>
+                      </a:r>
+                      <a:endParaRPr lang="en-US" sz="1000" dirty="0"/>
+                    </a:p>
+                  </a:txBody>
+                  <a:tcPr/>
+                </a:tc>
+              </a:tr>
+              <a:tr h="370840">
+                <a:tc>
+                  <a:txBody>
+                    <a:bodyPr/>
+                    <a:lstStyle/>
+                    <a:p>
+                      <a:r>
+                        <a:rPr lang="en-US" sz="1000" dirty="0" err="1" smtClean="0"/>
+                        <a:t>RunContinuationsAsynchronously</a:t>
+                      </a:r>
+                      <a:endParaRPr lang="en-US" sz="1000" dirty="0"/>
+                    </a:p>
+                  </a:txBody>
+                  <a:tcPr/>
+                </a:tc>
+                <a:tc>
+                  <a:txBody>
+                    <a:bodyPr/>
+                    <a:lstStyle/>
+                    <a:p>
+                      <a:r>
+                        <a:rPr lang="en-US" sz="1000" dirty="0" smtClean="0"/>
+                        <a:t>Specifies that the continuation task should be run asynchronously.</a:t>
+                      </a:r>
+                      <a:endParaRPr lang="en-US" sz="1000" dirty="0"/>
+                    </a:p>
+                  </a:txBody>
+                  <a:tcPr/>
+                </a:tc>
+              </a:tr>
+              <a:tr h="370840">
+                <a:tc>
+                  <a:txBody>
+                    <a:bodyPr/>
+                    <a:lstStyle/>
+                    <a:p>
+                      <a:r>
+                        <a:rPr lang="en-US" sz="1000" dirty="0" err="1" smtClean="0"/>
+                        <a:t>NotOnFaulted</a:t>
+                      </a:r>
+                      <a:endParaRPr lang="en-US" sz="1000" dirty="0"/>
+                    </a:p>
+                  </a:txBody>
+                  <a:tcPr/>
+                </a:tc>
+                <a:tc>
+                  <a:txBody>
+                    <a:bodyPr/>
+                    <a:lstStyle/>
+                    <a:p>
+                      <a:pPr marL="0" marR="0" indent="0" algn="l" defTabSz="457200" rtl="0" eaLnBrk="1" fontAlgn="auto" latinLnBrk="0" hangingPunct="1">
+                        <a:lnSpc>
+                          <a:spcPct val="100000"/>
+                        </a:lnSpc>
+                        <a:spcBef>
+                          <a:spcPts val="0"/>
+                        </a:spcBef>
+                        <a:spcAft>
+                          <a:spcPts val="0"/>
+                        </a:spcAft>
+                        <a:buClrTx/>
+                        <a:buSzTx/>
+                        <a:buFontTx/>
+                        <a:buNone/>
+                        <a:tabLst/>
+                        <a:defRPr/>
+                      </a:pPr>
+                      <a:r>
+                        <a:rPr lang="en-US" sz="1000" dirty="0" smtClean="0"/>
+                        <a:t>Specifies that the continuation task should not be scheduled if its antecedent threw an unhandled exception. </a:t>
+                      </a:r>
+                      <a:endParaRPr lang="en-US" sz="1000" dirty="0"/>
+                    </a:p>
+                  </a:txBody>
+                  <a:tcPr/>
+                </a:tc>
+              </a:tr>
+            </a:tbl>
+          </a:graphicData>
+        </a:graphic>
+      </p:graphicFrame>
+    </p:spTree>
+    <p:extLst>
+      <p:ext uri="{BB962C8B-B14F-4D97-AF65-F5344CB8AC3E}">
+        <p14:creationId xmlns:p14="http://schemas.microsoft.com/office/powerpoint/2010/main" val="3918834644"/>
+      </p:ext>
+    </p:extLst>
+  </p:cSld>
+  <p:clrMapOvr>
+    <a:masterClrMapping/>
+  </p:clrMapOvr>
+</p:sld>
+</file>
+
+<file path=ppt/slides/slide8.xml><?xml version="1.0" encoding="utf-8"?>
 <p:sld xmlns:a="http://schemas.openxmlformats.org/drawingml/2006/main" xmlns:r="http://schemas.openxmlformats.org/officeDocument/2006/relationships" xmlns:p="http://schemas.openxmlformats.org/presentationml/2006/main">
   <p:cSld>
     <p:spTree>
@@ -8461,207 +9630,6 @@
 </p:sld>
 </file>
 
-<file path=ppt/slides/slide7.xml><?xml version="1.0" encoding="utf-8"?>
-<p:sld xmlns:a="http://schemas.openxmlformats.org/drawingml/2006/main" xmlns:r="http://schemas.openxmlformats.org/officeDocument/2006/relationships" xmlns:p="http://schemas.openxmlformats.org/presentationml/2006/main">
-  <p:cSld>
-    <p:spTree>
-      <p:nvGrpSpPr>
-        <p:cNvPr id="1" name=""/>
-        <p:cNvGrpSpPr/>
-        <p:nvPr/>
-      </p:nvGrpSpPr>
-      <p:grpSpPr>
-        <a:xfrm>
-          <a:off x="0" y="0"/>
-          <a:ext cx="0" cy="0"/>
-          <a:chOff x="0" y="0"/>
-          <a:chExt cx="0" cy="0"/>
-        </a:xfrm>
-      </p:grpSpPr>
-      <p:sp>
-        <p:nvSpPr>
-          <p:cNvPr id="2" name="Title 1"/>
-          <p:cNvSpPr>
-            <a:spLocks noGrp="1"/>
-          </p:cNvSpPr>
-          <p:nvPr>
-            <p:ph type="title"/>
-          </p:nvPr>
-        </p:nvSpPr>
-        <p:spPr/>
-        <p:txBody>
-          <a:bodyPr/>
-          <a:lstStyle/>
-          <a:p>
-            <a:r>
-              <a:rPr lang="en-US" altLang="zh-CN" dirty="0" smtClean="0"/>
-              <a:t>Task synchronize - 1</a:t>
-            </a:r>
-            <a:endParaRPr lang="en-US" dirty="0"/>
-          </a:p>
-        </p:txBody>
-      </p:sp>
-      <p:sp>
-        <p:nvSpPr>
-          <p:cNvPr id="3" name="Content Placeholder 2"/>
-          <p:cNvSpPr>
-            <a:spLocks noGrp="1"/>
-          </p:cNvSpPr>
-          <p:nvPr>
-            <p:ph idx="1"/>
-          </p:nvPr>
-        </p:nvSpPr>
-        <p:spPr/>
-        <p:txBody>
-          <a:bodyPr/>
-          <a:lstStyle/>
-          <a:p>
-            <a:r>
-              <a:rPr lang="en-US" dirty="0" smtClean="0"/>
-              <a:t>Barrier</a:t>
-            </a:r>
-          </a:p>
-          <a:p>
-            <a:r>
-              <a:rPr lang="en-US" dirty="0" err="1" smtClean="0"/>
-              <a:t>CountdownEvent</a:t>
-            </a:r>
-            <a:endParaRPr lang="en-US" dirty="0" smtClean="0"/>
-          </a:p>
-          <a:p>
-            <a:r>
-              <a:rPr lang="en-US" dirty="0" err="1" smtClean="0"/>
-              <a:t>ManualResetEventSlim</a:t>
-            </a:r>
-            <a:endParaRPr lang="en-US" dirty="0" smtClean="0"/>
-          </a:p>
-          <a:p>
-            <a:r>
-              <a:rPr lang="en-US" dirty="0" err="1" smtClean="0"/>
-              <a:t>SpinLock</a:t>
-            </a:r>
-            <a:endParaRPr lang="en-US" dirty="0" smtClean="0"/>
-          </a:p>
-          <a:p>
-            <a:endParaRPr lang="en-US" dirty="0"/>
-          </a:p>
-        </p:txBody>
-      </p:sp>
-    </p:spTree>
-    <p:extLst>
-      <p:ext uri="{BB962C8B-B14F-4D97-AF65-F5344CB8AC3E}">
-        <p14:creationId xmlns:p14="http://schemas.microsoft.com/office/powerpoint/2010/main" val="3344454015"/>
-      </p:ext>
-    </p:extLst>
-  </p:cSld>
-  <p:clrMapOvr>
-    <a:masterClrMapping/>
-  </p:clrMapOvr>
-</p:sld>
-</file>
-
-<file path=ppt/slides/slide8.xml><?xml version="1.0" encoding="utf-8"?>
-<p:sld xmlns:a="http://schemas.openxmlformats.org/drawingml/2006/main" xmlns:r="http://schemas.openxmlformats.org/officeDocument/2006/relationships" xmlns:p="http://schemas.openxmlformats.org/presentationml/2006/main">
-  <p:cSld>
-    <p:spTree>
-      <p:nvGrpSpPr>
-        <p:cNvPr id="1" name=""/>
-        <p:cNvGrpSpPr/>
-        <p:nvPr/>
-      </p:nvGrpSpPr>
-      <p:grpSpPr>
-        <a:xfrm>
-          <a:off x="0" y="0"/>
-          <a:ext cx="0" cy="0"/>
-          <a:chOff x="0" y="0"/>
-          <a:chExt cx="0" cy="0"/>
-        </a:xfrm>
-      </p:grpSpPr>
-      <p:sp>
-        <p:nvSpPr>
-          <p:cNvPr id="2" name="Title 1"/>
-          <p:cNvSpPr>
-            <a:spLocks noGrp="1"/>
-          </p:cNvSpPr>
-          <p:nvPr>
-            <p:ph type="title"/>
-          </p:nvPr>
-        </p:nvSpPr>
-        <p:spPr/>
-        <p:txBody>
-          <a:bodyPr/>
-          <a:lstStyle/>
-          <a:p>
-            <a:r>
-              <a:rPr lang="en-US" dirty="0" smtClean="0"/>
-              <a:t>Task synchronize - 2</a:t>
-            </a:r>
-            <a:endParaRPr lang="en-US" dirty="0"/>
-          </a:p>
-        </p:txBody>
-      </p:sp>
-      <p:sp>
-        <p:nvSpPr>
-          <p:cNvPr id="3" name="Content Placeholder 2"/>
-          <p:cNvSpPr>
-            <a:spLocks noGrp="1"/>
-          </p:cNvSpPr>
-          <p:nvPr>
-            <p:ph idx="1"/>
-          </p:nvPr>
-        </p:nvSpPr>
-        <p:spPr/>
-        <p:txBody>
-          <a:bodyPr/>
-          <a:lstStyle/>
-          <a:p>
-            <a:r>
-              <a:rPr lang="en-US" dirty="0" smtClean="0"/>
-              <a:t>Wait</a:t>
-            </a:r>
-          </a:p>
-          <a:p>
-            <a:r>
-              <a:rPr lang="en-US" dirty="0" err="1" smtClean="0"/>
-              <a:t>ContinueWith</a:t>
-            </a:r>
-            <a:endParaRPr lang="en-US" dirty="0" smtClean="0"/>
-          </a:p>
-          <a:p>
-            <a:r>
-              <a:rPr lang="en-US" dirty="0" err="1" smtClean="0"/>
-              <a:t>WhenAll</a:t>
-            </a:r>
-            <a:endParaRPr lang="en-US" dirty="0" smtClean="0"/>
-          </a:p>
-          <a:p>
-            <a:r>
-              <a:rPr lang="en-US" dirty="0" err="1" smtClean="0"/>
-              <a:t>WhenAny</a:t>
-            </a:r>
-            <a:endParaRPr lang="en-US" dirty="0" smtClean="0"/>
-          </a:p>
-          <a:p>
-            <a:endParaRPr lang="en-US" dirty="0" smtClean="0"/>
-          </a:p>
-          <a:p>
-            <a:endParaRPr lang="en-US" dirty="0"/>
-          </a:p>
-        </p:txBody>
-      </p:sp>
-    </p:spTree>
-    <p:extLst>
-      <p:ext uri="{BB962C8B-B14F-4D97-AF65-F5344CB8AC3E}">
-        <p14:creationId xmlns:p14="http://schemas.microsoft.com/office/powerpoint/2010/main" val="3918834644"/>
-      </p:ext>
-    </p:extLst>
-  </p:cSld>
-  <p:clrMapOvr>
-    <a:masterClrMapping/>
-  </p:clrMapOvr>
-</p:sld>
-</file>
-
 <file path=ppt/slides/slide9.xml><?xml version="1.0" encoding="utf-8"?>
 <p:sld xmlns:a="http://schemas.openxmlformats.org/drawingml/2006/main" xmlns:r="http://schemas.openxmlformats.org/officeDocument/2006/relationships" xmlns:p="http://schemas.openxmlformats.org/presentationml/2006/main">
   <p:cSld>
@@ -8695,8 +9663,12 @@
           <a:lstStyle/>
           <a:p>
             <a:r>
-              <a:rPr lang="en-US" dirty="0" smtClean="0"/>
-              <a:t>Parallel class</a:t>
+              <a:rPr lang="en-US" altLang="zh-CN" dirty="0" smtClean="0"/>
+              <a:t>Task </a:t>
+            </a:r>
+            <a:r>
+              <a:rPr lang="en-US" altLang="zh-CN" dirty="0" smtClean="0"/>
+              <a:t>synchronize</a:t>
             </a:r>
             <a:endParaRPr lang="en-US" dirty="0"/>
           </a:p>
@@ -8718,72 +9690,32 @@
           <a:lstStyle/>
           <a:p>
             <a:r>
+              <a:rPr lang="en-US" dirty="0" smtClean="0"/>
+              <a:t>Barrier</a:t>
+            </a:r>
+          </a:p>
+          <a:p>
+            <a:r>
               <a:rPr lang="en-US" dirty="0" err="1" smtClean="0"/>
-              <a:t>Parallel.For</a:t>
+              <a:t>CountdownEvent</a:t>
             </a:r>
             <a:endParaRPr lang="en-US" dirty="0" smtClean="0"/>
           </a:p>
           <a:p>
             <a:r>
               <a:rPr lang="en-US" dirty="0" err="1" smtClean="0"/>
-              <a:t>Parallel.ForEach</a:t>
+              <a:t>ManualResetEventSlim</a:t>
             </a:r>
             <a:endParaRPr lang="en-US" dirty="0" smtClean="0"/>
           </a:p>
           <a:p>
             <a:r>
               <a:rPr lang="en-US" dirty="0" err="1" smtClean="0"/>
-              <a:t>Parallel.Invoke</a:t>
+              <a:t>SpinLock</a:t>
             </a:r>
             <a:endParaRPr lang="en-US" dirty="0" smtClean="0"/>
           </a:p>
           <a:p>
-            <a:endParaRPr lang="en-US" dirty="0"/>
-          </a:p>
-          <a:p>
-            <a:pPr>
-              <a:buAutoNum type="arabicPeriod"/>
-            </a:pPr>
-            <a:r>
-              <a:rPr lang="en-US" dirty="0" smtClean="0"/>
-              <a:t>All three methods block until all work is complete</a:t>
-            </a:r>
-          </a:p>
-          <a:p>
-            <a:pPr>
-              <a:buAutoNum type="arabicPeriod"/>
-            </a:pPr>
-            <a:r>
-              <a:rPr lang="en-US" dirty="0" smtClean="0"/>
-              <a:t>Because the loop body in a parallel For or </a:t>
-            </a:r>
-            <a:r>
-              <a:rPr lang="en-US" dirty="0" err="1" smtClean="0"/>
-              <a:t>ForEach</a:t>
-            </a:r>
-            <a:r>
-              <a:rPr lang="en-US" dirty="0" smtClean="0"/>
-              <a:t> is a delegate, you can’t exit the loop early with a break statement. Instead you must call Break or Stop on a </a:t>
-            </a:r>
-            <a:r>
-              <a:rPr lang="en-US" dirty="0" err="1" smtClean="0"/>
-              <a:t>ParallelLoopState</a:t>
-            </a:r>
-            <a:r>
-              <a:rPr lang="en-US" dirty="0" smtClean="0"/>
-              <a:t> object.</a:t>
-            </a:r>
-          </a:p>
-          <a:p>
-            <a:pPr>
-              <a:buAutoNum type="arabicPeriod"/>
-            </a:pPr>
-            <a:endParaRPr lang="en-US" dirty="0" smtClean="0"/>
-          </a:p>
-          <a:p>
-            <a:pPr marL="0" indent="0">
-              <a:buNone/>
-            </a:pPr>
             <a:endParaRPr lang="en-US" dirty="0"/>
           </a:p>
         </p:txBody>
@@ -8791,7 +9723,7 @@
     </p:spTree>
     <p:extLst>
       <p:ext uri="{BB962C8B-B14F-4D97-AF65-F5344CB8AC3E}">
-        <p14:creationId xmlns:p14="http://schemas.microsoft.com/office/powerpoint/2010/main" val="1394589366"/>
+        <p14:creationId xmlns:p14="http://schemas.microsoft.com/office/powerpoint/2010/main" val="3344454015"/>
       </p:ext>
     </p:extLst>
   </p:cSld>
